--- a/contents/2018-11-21-安晓妮/常见布局之grid.pptx
+++ b/contents/2018-11-21-安晓妮/常见布局之grid.pptx
@@ -7532,7 +7532,7 @@
         <p:spPr>
           <a:xfrm>
             <a:off x="586105" y="1878965"/>
-            <a:ext cx="5182870" cy="3799205"/>
+            <a:ext cx="5182870" cy="3082925"/>
           </a:xfrm>
           <a:prstGeom prst="rect">
             <a:avLst/>
@@ -7556,7 +7556,7 @@
         <p:spPr>
           <a:xfrm>
             <a:off x="6580505" y="1878965"/>
-            <a:ext cx="4726940" cy="3799205"/>
+            <a:ext cx="4726940" cy="3082925"/>
           </a:xfrm>
           <a:prstGeom prst="rect">
             <a:avLst/>
@@ -7693,8 +7693,8 @@
         </p:blipFill>
         <p:spPr>
           <a:xfrm>
-            <a:off x="731520" y="1767205"/>
-            <a:ext cx="4984750" cy="3810635"/>
+            <a:off x="746760" y="1767205"/>
+            <a:ext cx="4482465" cy="2561590"/>
           </a:xfrm>
           <a:prstGeom prst="rect">
             <a:avLst/>
@@ -7718,7 +7718,7 @@
         <p:spPr>
           <a:xfrm>
             <a:off x="6595745" y="1767205"/>
-            <a:ext cx="4761865" cy="3810635"/>
+            <a:ext cx="4761865" cy="2561590"/>
           </a:xfrm>
           <a:prstGeom prst="rect">
             <a:avLst/>
